--- a/Food_d_m_system_project/Food Delivery Management System.pptx
+++ b/Food_d_m_system_project/Food Delivery Management System.pptx
@@ -874,7 +874,7 @@
             <a:fld id="{B61BEF0D-F0BB-DE4B-95CE-6DB70DBA9567}" type="datetimeFigureOut">
               <a:rPr lang="en-US" dirty="0"/>
               <a:pPr/>
-              <a:t>8/8/2025</a:t>
+              <a:t>8/9/2025</a:t>
             </a:fld>
             <a:endParaRPr lang="en-US" dirty="0"/>
           </a:p>
@@ -1122,7 +1122,7 @@
             <a:fld id="{B61BEF0D-F0BB-DE4B-95CE-6DB70DBA9567}" type="datetimeFigureOut">
               <a:rPr lang="en-US" dirty="0"/>
               <a:pPr/>
-              <a:t>8/8/2025</a:t>
+              <a:t>8/9/2025</a:t>
             </a:fld>
             <a:endParaRPr lang="en-US" dirty="0"/>
           </a:p>
@@ -1433,7 +1433,7 @@
             <a:fld id="{B61BEF0D-F0BB-DE4B-95CE-6DB70DBA9567}" type="datetimeFigureOut">
               <a:rPr lang="en-US" dirty="0"/>
               <a:pPr/>
-              <a:t>8/8/2025</a:t>
+              <a:t>8/9/2025</a:t>
             </a:fld>
             <a:endParaRPr lang="en-US" dirty="0"/>
           </a:p>
@@ -1763,7 +1763,7 @@
             <a:fld id="{B61BEF0D-F0BB-DE4B-95CE-6DB70DBA9567}" type="datetimeFigureOut">
               <a:rPr lang="en-US" dirty="0"/>
               <a:pPr/>
-              <a:t>8/8/2025</a:t>
+              <a:t>8/9/2025</a:t>
             </a:fld>
             <a:endParaRPr lang="en-US" dirty="0"/>
           </a:p>
@@ -2074,7 +2074,7 @@
             <a:fld id="{B61BEF0D-F0BB-DE4B-95CE-6DB70DBA9567}" type="datetimeFigureOut">
               <a:rPr lang="en-US" dirty="0"/>
               <a:pPr/>
-              <a:t>8/8/2025</a:t>
+              <a:t>8/9/2025</a:t>
             </a:fld>
             <a:endParaRPr lang="en-US" dirty="0"/>
           </a:p>
@@ -2464,7 +2464,7 @@
             <a:fld id="{B61BEF0D-F0BB-DE4B-95CE-6DB70DBA9567}" type="datetimeFigureOut">
               <a:rPr lang="en-US" dirty="0"/>
               <a:pPr/>
-              <a:t>8/8/2025</a:t>
+              <a:t>8/9/2025</a:t>
             </a:fld>
             <a:endParaRPr lang="en-US" dirty="0"/>
           </a:p>
@@ -2630,7 +2630,7 @@
           <a:p>
             <a:fld id="{55C6B4A9-1611-4792-9094-5F34BCA07E0B}" type="datetimeFigureOut">
               <a:rPr lang="en-US" dirty="0"/>
-              <a:t>8/8/2025</a:t>
+              <a:t>8/9/2025</a:t>
             </a:fld>
             <a:endParaRPr lang="en-US" dirty="0"/>
           </a:p>
@@ -2806,7 +2806,7 @@
             <a:fld id="{B61BEF0D-F0BB-DE4B-95CE-6DB70DBA9567}" type="datetimeFigureOut">
               <a:rPr lang="en-US" dirty="0"/>
               <a:pPr/>
-              <a:t>8/8/2025</a:t>
+              <a:t>8/9/2025</a:t>
             </a:fld>
             <a:endParaRPr lang="en-US" dirty="0"/>
           </a:p>
@@ -2972,7 +2972,7 @@
           <a:p>
             <a:fld id="{42A54C80-263E-416B-A8E0-580EDEADCBDC}" type="datetimeFigureOut">
               <a:rPr lang="en-US" dirty="0"/>
-              <a:t>8/8/2025</a:t>
+              <a:t>8/9/2025</a:t>
             </a:fld>
             <a:endParaRPr lang="en-US" dirty="0"/>
           </a:p>
@@ -3215,7 +3215,7 @@
             <a:fld id="{B61BEF0D-F0BB-DE4B-95CE-6DB70DBA9567}" type="datetimeFigureOut">
               <a:rPr lang="en-US" dirty="0"/>
               <a:pPr/>
-              <a:t>8/8/2025</a:t>
+              <a:t>8/9/2025</a:t>
             </a:fld>
             <a:endParaRPr lang="en-US" dirty="0"/>
           </a:p>
@@ -3443,7 +3443,7 @@
           <a:p>
             <a:fld id="{42A54C80-263E-416B-A8E0-580EDEADCBDC}" type="datetimeFigureOut">
               <a:rPr lang="en-US" dirty="0"/>
-              <a:t>8/8/2025</a:t>
+              <a:t>8/9/2025</a:t>
             </a:fld>
             <a:endParaRPr lang="en-US" dirty="0"/>
           </a:p>
@@ -3813,7 +3813,7 @@
             <a:fld id="{B61BEF0D-F0BB-DE4B-95CE-6DB70DBA9567}" type="datetimeFigureOut">
               <a:rPr lang="en-US" dirty="0"/>
               <a:pPr/>
-              <a:t>8/8/2025</a:t>
+              <a:t>8/9/2025</a:t>
             </a:fld>
             <a:endParaRPr lang="en-US" dirty="0"/>
           </a:p>
@@ -3933,7 +3933,7 @@
             <a:fld id="{B61BEF0D-F0BB-DE4B-95CE-6DB70DBA9567}" type="datetimeFigureOut">
               <a:rPr lang="en-US" dirty="0"/>
               <a:pPr/>
-              <a:t>8/8/2025</a:t>
+              <a:t>8/9/2025</a:t>
             </a:fld>
             <a:endParaRPr lang="en-US" dirty="0"/>
           </a:p>
@@ -4025,7 +4025,7 @@
             <a:fld id="{B61BEF0D-F0BB-DE4B-95CE-6DB70DBA9567}" type="datetimeFigureOut">
               <a:rPr lang="en-US" dirty="0"/>
               <a:pPr/>
-              <a:t>8/8/2025</a:t>
+              <a:t>8/9/2025</a:t>
             </a:fld>
             <a:endParaRPr lang="en-US" dirty="0"/>
           </a:p>
@@ -4276,7 +4276,7 @@
           <a:p>
             <a:fld id="{42A54C80-263E-416B-A8E0-580EDEADCBDC}" type="datetimeFigureOut">
               <a:rPr lang="en-US" dirty="0"/>
-              <a:t>8/8/2025</a:t>
+              <a:t>8/9/2025</a:t>
             </a:fld>
             <a:endParaRPr lang="en-US" dirty="0"/>
           </a:p>
@@ -4578,7 +4578,7 @@
             <a:fld id="{B61BEF0D-F0BB-DE4B-95CE-6DB70DBA9567}" type="datetimeFigureOut">
               <a:rPr lang="en-US" dirty="0"/>
               <a:pPr/>
-              <a:t>8/8/2025</a:t>
+              <a:t>8/9/2025</a:t>
             </a:fld>
             <a:endParaRPr lang="en-US" dirty="0"/>
           </a:p>
@@ -5276,7 +5276,7 @@
             <a:fld id="{B61BEF0D-F0BB-DE4B-95CE-6DB70DBA9567}" type="datetimeFigureOut">
               <a:rPr lang="en-US" dirty="0"/>
               <a:pPr/>
-              <a:t>8/8/2025</a:t>
+              <a:t>8/9/2025</a:t>
             </a:fld>
             <a:endParaRPr lang="en-US" dirty="0"/>
           </a:p>
@@ -5906,6 +5906,18 @@
   <p:clrMapOvr>
     <a:masterClrMapping/>
   </p:clrMapOvr>
+  <mc:AlternateContent xmlns:mc="http://schemas.openxmlformats.org/markup-compatibility/2006">
+    <mc:Choice xmlns:p15="http://schemas.microsoft.com/office/powerpoint/2012/main" Requires="p15">
+      <p:transition xmlns:p14="http://schemas.microsoft.com/office/powerpoint/2010/main" spd="slow" p14:dur="6000">
+        <p15:prstTrans prst="curtains"/>
+      </p:transition>
+    </mc:Choice>
+    <mc:Fallback>
+      <p:transition spd="slow">
+        <p:fade/>
+      </p:transition>
+    </mc:Fallback>
+  </mc:AlternateContent>
   <p:timing>
     <p:tnLst>
       <p:par>
@@ -6904,6 +6916,18 @@
   <p:clrMapOvr>
     <a:masterClrMapping/>
   </p:clrMapOvr>
+  <mc:AlternateContent xmlns:mc="http://schemas.openxmlformats.org/markup-compatibility/2006">
+    <mc:Choice xmlns:p15="http://schemas.microsoft.com/office/powerpoint/2012/main" Requires="p15">
+      <p:transition xmlns:p14="http://schemas.microsoft.com/office/powerpoint/2010/main" spd="slow" p14:dur="1250">
+        <p15:prstTrans prst="airplane"/>
+      </p:transition>
+    </mc:Choice>
+    <mc:Fallback>
+      <p:transition spd="slow">
+        <p:fade/>
+      </p:transition>
+    </mc:Fallback>
+  </mc:AlternateContent>
 </p:sld>
 </file>
 
@@ -7226,6 +7250,18 @@
   <p:clrMapOvr>
     <a:masterClrMapping/>
   </p:clrMapOvr>
+  <mc:AlternateContent xmlns:mc="http://schemas.openxmlformats.org/markup-compatibility/2006">
+    <mc:Choice xmlns:p159="http://schemas.microsoft.com/office/powerpoint/2015/09/main" Requires="p159">
+      <p:transition xmlns:p14="http://schemas.microsoft.com/office/powerpoint/2010/main" spd="slow" p14:dur="2000">
+        <p159:morph option="byObject"/>
+      </p:transition>
+    </mc:Choice>
+    <mc:Fallback>
+      <p:transition spd="slow">
+        <p:fade/>
+      </p:transition>
+    </mc:Fallback>
+  </mc:AlternateContent>
 </p:sld>
 </file>
 
@@ -7654,6 +7690,18 @@
   <p:clrMapOvr>
     <a:masterClrMapping/>
   </p:clrMapOvr>
+  <mc:AlternateContent xmlns:mc="http://schemas.openxmlformats.org/markup-compatibility/2006">
+    <mc:Choice xmlns:p15="http://schemas.microsoft.com/office/powerpoint/2012/main" Requires="p15">
+      <p:transition xmlns:p14="http://schemas.microsoft.com/office/powerpoint/2010/main" spd="slow" p14:dur="2000">
+        <p15:prstTrans prst="wind"/>
+      </p:transition>
+    </mc:Choice>
+    <mc:Fallback>
+      <p:transition spd="slow">
+        <p:fade/>
+      </p:transition>
+    </mc:Fallback>
+  </mc:AlternateContent>
 </p:sld>
 </file>
 
@@ -9626,6 +9674,18 @@
   <p:clrMapOvr>
     <a:masterClrMapping/>
   </p:clrMapOvr>
+  <mc:AlternateContent xmlns:mc="http://schemas.openxmlformats.org/markup-compatibility/2006">
+    <mc:Choice xmlns:p14="http://schemas.microsoft.com/office/powerpoint/2010/main" Requires="p14">
+      <p:transition spd="slow" p14:dur="1400">
+        <p14:ripple/>
+      </p:transition>
+    </mc:Choice>
+    <mc:Fallback>
+      <p:transition spd="slow">
+        <p:fade/>
+      </p:transition>
+    </mc:Fallback>
+  </mc:AlternateContent>
 </p:sld>
 </file>
 
@@ -9735,6 +9795,18 @@
   <p:clrMapOvr>
     <a:masterClrMapping/>
   </p:clrMapOvr>
+  <mc:AlternateContent xmlns:mc="http://schemas.openxmlformats.org/markup-compatibility/2006">
+    <mc:Choice xmlns:p14="http://schemas.microsoft.com/office/powerpoint/2010/main" Requires="p14">
+      <p:transition spd="slow" p14:dur="1200">
+        <p:dissolve/>
+      </p:transition>
+    </mc:Choice>
+    <mc:Fallback>
+      <p:transition spd="slow">
+        <p:dissolve/>
+      </p:transition>
+    </mc:Fallback>
+  </mc:AlternateContent>
 </p:sld>
 </file>
 
@@ -9832,6 +9904,18 @@
   <p:clrMapOvr>
     <a:masterClrMapping/>
   </p:clrMapOvr>
+  <mc:AlternateContent xmlns:mc="http://schemas.openxmlformats.org/markup-compatibility/2006">
+    <mc:Choice xmlns:p14="http://schemas.microsoft.com/office/powerpoint/2010/main" Requires="p14">
+      <p:transition spd="slow" p14:dur="1600">
+        <p14:prism isInverted="1"/>
+      </p:transition>
+    </mc:Choice>
+    <mc:Fallback>
+      <p:transition spd="slow">
+        <p:fade/>
+      </p:transition>
+    </mc:Fallback>
+  </mc:AlternateContent>
 </p:sld>
 </file>
 
@@ -9958,6 +10042,9 @@
   <p:clrMapOvr>
     <a:masterClrMapping/>
   </p:clrMapOvr>
+  <p:transition spd="slow">
+    <p:wipe dir="d"/>
+  </p:transition>
 </p:sld>
 </file>
 
@@ -10026,6 +10113,18 @@
   <p:clrMapOvr>
     <a:masterClrMapping/>
   </p:clrMapOvr>
+  <mc:AlternateContent xmlns:mc="http://schemas.openxmlformats.org/markup-compatibility/2006">
+    <mc:Choice xmlns:p14="http://schemas.microsoft.com/office/powerpoint/2010/main" Requires="p14">
+      <p:transition spd="slow" p14:dur="1400">
+        <p14:doors dir="vert"/>
+      </p:transition>
+    </mc:Choice>
+    <mc:Fallback>
+      <p:transition spd="slow">
+        <p:fade/>
+      </p:transition>
+    </mc:Fallback>
+  </mc:AlternateContent>
 </p:sld>
 </file>
 
@@ -10598,13 +10697,13 @@
           <p:nvPr>
             <p:extLst>
               <p:ext uri="{D42A27DB-BD31-4B8C-83A1-F6EECF244321}">
-                <p14:modId xmlns:p14="http://schemas.microsoft.com/office/powerpoint/2010/main" val="51227371"/>
+                <p14:modId xmlns:p14="http://schemas.microsoft.com/office/powerpoint/2010/main" val="2332903590"/>
               </p:ext>
             </p:extLst>
           </p:nvPr>
         </p:nvGraphicFramePr>
         <p:xfrm>
-          <a:off x="1483033" y="1309602"/>
+          <a:off x="1624922" y="1246540"/>
           <a:ext cx="8128000" cy="4805680"/>
         </p:xfrm>
         <a:graphic>
@@ -11104,7 +11203,7 @@
   <mc:AlternateContent xmlns:mc="http://schemas.openxmlformats.org/markup-compatibility/2006">
     <mc:Choice xmlns:p15="http://schemas.microsoft.com/office/powerpoint/2012/main" Requires="p15">
       <p:transition xmlns:p14="http://schemas.microsoft.com/office/powerpoint/2010/main" spd="slow" p14:dur="2000">
-        <p15:prstTrans prst="drape"/>
+        <p15:prstTrans prst="fracture"/>
       </p:transition>
     </mc:Choice>
     <mc:Fallback>
@@ -11134,7 +11233,7 @@
                             </p:stCondLst>
                             <p:childTnLst>
                               <p:par>
-                                <p:cTn id="5" presetID="21" presetClass="entr" presetSubtype="1" fill="hold" nodeType="clickEffect">
+                                <p:cTn id="5" presetID="26" presetClass="entr" presetSubtype="0" fill="hold" nodeType="clickEffect">
                                   <p:stCondLst>
                                     <p:cond delay="0"/>
                                   </p:stCondLst>
@@ -11157,14 +11256,257 @@
                                         <p:strVal val="visible"/>
                                       </p:to>
                                     </p:set>
-                                    <p:animEffect transition="in" filter="wheel(1)">
+                                    <p:animEffect transition="in" filter="wipe(down)">
                                       <p:cBhvr>
-                                        <p:cTn id="7" dur="2000"/>
+                                        <p:cTn id="7" dur="580">
+                                          <p:stCondLst>
+                                            <p:cond delay="0"/>
+                                          </p:stCondLst>
+                                        </p:cTn>
                                         <p:tgtEl>
                                           <p:spTgt spid="5"/>
                                         </p:tgtEl>
                                       </p:cBhvr>
                                     </p:animEffect>
+                                    <p:anim calcmode="lin" valueType="num">
+                                      <p:cBhvr>
+                                        <p:cTn id="8" dur="1822" tmFilter="0,0; 0.14,0.36; 0.43,0.73; 0.71,0.91; 1.0,1.0">
+                                          <p:stCondLst>
+                                            <p:cond delay="0"/>
+                                          </p:stCondLst>
+                                        </p:cTn>
+                                        <p:tgtEl>
+                                          <p:spTgt spid="5"/>
+                                        </p:tgtEl>
+                                        <p:attrNameLst>
+                                          <p:attrName>ppt_x</p:attrName>
+                                        </p:attrNameLst>
+                                      </p:cBhvr>
+                                      <p:tavLst>
+                                        <p:tav tm="0">
+                                          <p:val>
+                                            <p:strVal val="#ppt_x-0.25"/>
+                                          </p:val>
+                                        </p:tav>
+                                        <p:tav tm="100000">
+                                          <p:val>
+                                            <p:strVal val="#ppt_x"/>
+                                          </p:val>
+                                        </p:tav>
+                                      </p:tavLst>
+                                    </p:anim>
+                                    <p:anim calcmode="lin" valueType="num">
+                                      <p:cBhvr>
+                                        <p:cTn id="9" dur="664" tmFilter="0.0,0.0; 0.25,0.07; 0.50,0.2; 0.75,0.467; 1.0,1.0">
+                                          <p:stCondLst>
+                                            <p:cond delay="0"/>
+                                          </p:stCondLst>
+                                        </p:cTn>
+                                        <p:tgtEl>
+                                          <p:spTgt spid="5"/>
+                                        </p:tgtEl>
+                                        <p:attrNameLst>
+                                          <p:attrName>ppt_y</p:attrName>
+                                        </p:attrNameLst>
+                                      </p:cBhvr>
+                                      <p:tavLst>
+                                        <p:tav tm="0" fmla="#ppt_y-sin(pi*$)/3">
+                                          <p:val>
+                                            <p:fltVal val="0.5"/>
+                                          </p:val>
+                                        </p:tav>
+                                        <p:tav tm="100000">
+                                          <p:val>
+                                            <p:fltVal val="1"/>
+                                          </p:val>
+                                        </p:tav>
+                                      </p:tavLst>
+                                    </p:anim>
+                                    <p:anim calcmode="lin" valueType="num">
+                                      <p:cBhvr>
+                                        <p:cTn id="10" dur="664" tmFilter="0, 0; 0.125,0.2665; 0.25,0.4; 0.375,0.465; 0.5,0.5;  0.625,0.535; 0.75,0.6; 0.875,0.7335; 1,1">
+                                          <p:stCondLst>
+                                            <p:cond delay="664"/>
+                                          </p:stCondLst>
+                                        </p:cTn>
+                                        <p:tgtEl>
+                                          <p:spTgt spid="5"/>
+                                        </p:tgtEl>
+                                        <p:attrNameLst>
+                                          <p:attrName>ppt_y</p:attrName>
+                                        </p:attrNameLst>
+                                      </p:cBhvr>
+                                      <p:tavLst>
+                                        <p:tav tm="0" fmla="#ppt_y-sin(pi*$)/9">
+                                          <p:val>
+                                            <p:fltVal val="0"/>
+                                          </p:val>
+                                        </p:tav>
+                                        <p:tav tm="100000">
+                                          <p:val>
+                                            <p:fltVal val="1"/>
+                                          </p:val>
+                                        </p:tav>
+                                      </p:tavLst>
+                                    </p:anim>
+                                    <p:anim calcmode="lin" valueType="num">
+                                      <p:cBhvr>
+                                        <p:cTn id="11" dur="332" tmFilter="0, 0; 0.125,0.2665; 0.25,0.4; 0.375,0.465; 0.5,0.5;  0.625,0.535; 0.75,0.6; 0.875,0.7335; 1,1">
+                                          <p:stCondLst>
+                                            <p:cond delay="1324"/>
+                                          </p:stCondLst>
+                                        </p:cTn>
+                                        <p:tgtEl>
+                                          <p:spTgt spid="5"/>
+                                        </p:tgtEl>
+                                        <p:attrNameLst>
+                                          <p:attrName>ppt_y</p:attrName>
+                                        </p:attrNameLst>
+                                      </p:cBhvr>
+                                      <p:tavLst>
+                                        <p:tav tm="0" fmla="#ppt_y-sin(pi*$)/27">
+                                          <p:val>
+                                            <p:fltVal val="0"/>
+                                          </p:val>
+                                        </p:tav>
+                                        <p:tav tm="100000">
+                                          <p:val>
+                                            <p:fltVal val="1"/>
+                                          </p:val>
+                                        </p:tav>
+                                      </p:tavLst>
+                                    </p:anim>
+                                    <p:anim calcmode="lin" valueType="num">
+                                      <p:cBhvr>
+                                        <p:cTn id="12" dur="164" tmFilter="0, 0; 0.125,0.2665; 0.25,0.4; 0.375,0.465; 0.5,0.5;  0.625,0.535; 0.75,0.6; 0.875,0.7335; 1,1">
+                                          <p:stCondLst>
+                                            <p:cond delay="1656"/>
+                                          </p:stCondLst>
+                                        </p:cTn>
+                                        <p:tgtEl>
+                                          <p:spTgt spid="5"/>
+                                        </p:tgtEl>
+                                        <p:attrNameLst>
+                                          <p:attrName>ppt_y</p:attrName>
+                                        </p:attrNameLst>
+                                      </p:cBhvr>
+                                      <p:tavLst>
+                                        <p:tav tm="0" fmla="#ppt_y-sin(pi*$)/81">
+                                          <p:val>
+                                            <p:fltVal val="0"/>
+                                          </p:val>
+                                        </p:tav>
+                                        <p:tav tm="100000">
+                                          <p:val>
+                                            <p:fltVal val="1"/>
+                                          </p:val>
+                                        </p:tav>
+                                      </p:tavLst>
+                                    </p:anim>
+                                    <p:animScale>
+                                      <p:cBhvr>
+                                        <p:cTn id="13" dur="26">
+                                          <p:stCondLst>
+                                            <p:cond delay="650"/>
+                                          </p:stCondLst>
+                                        </p:cTn>
+                                        <p:tgtEl>
+                                          <p:spTgt spid="5"/>
+                                        </p:tgtEl>
+                                      </p:cBhvr>
+                                      <p:to x="100000" y="60000"/>
+                                    </p:animScale>
+                                    <p:animScale>
+                                      <p:cBhvr>
+                                        <p:cTn id="14" dur="166" decel="50000">
+                                          <p:stCondLst>
+                                            <p:cond delay="676"/>
+                                          </p:stCondLst>
+                                        </p:cTn>
+                                        <p:tgtEl>
+                                          <p:spTgt spid="5"/>
+                                        </p:tgtEl>
+                                      </p:cBhvr>
+                                      <p:to x="100000" y="100000"/>
+                                    </p:animScale>
+                                    <p:animScale>
+                                      <p:cBhvr>
+                                        <p:cTn id="15" dur="26">
+                                          <p:stCondLst>
+                                            <p:cond delay="1312"/>
+                                          </p:stCondLst>
+                                        </p:cTn>
+                                        <p:tgtEl>
+                                          <p:spTgt spid="5"/>
+                                        </p:tgtEl>
+                                      </p:cBhvr>
+                                      <p:to x="100000" y="80000"/>
+                                    </p:animScale>
+                                    <p:animScale>
+                                      <p:cBhvr>
+                                        <p:cTn id="16" dur="166" decel="50000">
+                                          <p:stCondLst>
+                                            <p:cond delay="1338"/>
+                                          </p:stCondLst>
+                                        </p:cTn>
+                                        <p:tgtEl>
+                                          <p:spTgt spid="5"/>
+                                        </p:tgtEl>
+                                      </p:cBhvr>
+                                      <p:to x="100000" y="100000"/>
+                                    </p:animScale>
+                                    <p:animScale>
+                                      <p:cBhvr>
+                                        <p:cTn id="17" dur="26">
+                                          <p:stCondLst>
+                                            <p:cond delay="1642"/>
+                                          </p:stCondLst>
+                                        </p:cTn>
+                                        <p:tgtEl>
+                                          <p:spTgt spid="5"/>
+                                        </p:tgtEl>
+                                      </p:cBhvr>
+                                      <p:to x="100000" y="90000"/>
+                                    </p:animScale>
+                                    <p:animScale>
+                                      <p:cBhvr>
+                                        <p:cTn id="18" dur="166" decel="50000">
+                                          <p:stCondLst>
+                                            <p:cond delay="1668"/>
+                                          </p:stCondLst>
+                                        </p:cTn>
+                                        <p:tgtEl>
+                                          <p:spTgt spid="5"/>
+                                        </p:tgtEl>
+                                      </p:cBhvr>
+                                      <p:to x="100000" y="100000"/>
+                                    </p:animScale>
+                                    <p:animScale>
+                                      <p:cBhvr>
+                                        <p:cTn id="19" dur="26">
+                                          <p:stCondLst>
+                                            <p:cond delay="1808"/>
+                                          </p:stCondLst>
+                                        </p:cTn>
+                                        <p:tgtEl>
+                                          <p:spTgt spid="5"/>
+                                        </p:tgtEl>
+                                      </p:cBhvr>
+                                      <p:to x="100000" y="95000"/>
+                                    </p:animScale>
+                                    <p:animScale>
+                                      <p:cBhvr>
+                                        <p:cTn id="20" dur="166" decel="50000">
+                                          <p:stCondLst>
+                                            <p:cond delay="1834"/>
+                                          </p:stCondLst>
+                                        </p:cTn>
+                                        <p:tgtEl>
+                                          <p:spTgt spid="5"/>
+                                        </p:tgtEl>
+                                      </p:cBhvr>
+                                      <p:to x="100000" y="100000"/>
+                                    </p:animScale>
                                   </p:childTnLst>
                                 </p:cTn>
                               </p:par>
@@ -11383,18 +11725,9 @@
   <p:clrMapOvr>
     <a:masterClrMapping/>
   </p:clrMapOvr>
-  <mc:AlternateContent xmlns:mc="http://schemas.openxmlformats.org/markup-compatibility/2006" xmlns:p14="http://schemas.microsoft.com/office/powerpoint/2010/main">
-    <mc:Choice Requires="p14">
-      <p:transition spd="slow">
-        <p14:flash/>
-      </p:transition>
-    </mc:Choice>
-    <mc:Fallback xmlns="">
-      <p:transition spd="slow">
-        <p:fade/>
-      </p:transition>
-    </mc:Fallback>
-  </mc:AlternateContent>
+  <p:transition spd="med">
+    <p:pull/>
+  </p:transition>
 </p:sld>
 </file>
 
@@ -11582,6 +11915,9 @@
   <p:clrMapOvr>
     <a:masterClrMapping/>
   </p:clrMapOvr>
+  <p:transition spd="slow">
+    <p:push dir="u"/>
+  </p:transition>
 </p:sld>
 </file>
 
@@ -11848,6 +12184,18 @@
   <p:clrMapOvr>
     <a:masterClrMapping/>
   </p:clrMapOvr>
+  <mc:AlternateContent xmlns:mc="http://schemas.openxmlformats.org/markup-compatibility/2006">
+    <mc:Choice xmlns:p14="http://schemas.microsoft.com/office/powerpoint/2010/main" Requires="p14">
+      <p:transition spd="slow" p14:dur="1500">
+        <p:split orient="vert"/>
+      </p:transition>
+    </mc:Choice>
+    <mc:Fallback>
+      <p:transition spd="slow">
+        <p:split orient="vert"/>
+      </p:transition>
+    </mc:Fallback>
+  </mc:AlternateContent>
 </p:sld>
 </file>
 
@@ -11947,6 +12295,9 @@
   <p:clrMapOvr>
     <a:masterClrMapping/>
   </p:clrMapOvr>
+  <p:transition spd="slow">
+    <p:cover/>
+  </p:transition>
 </p:sld>
 </file>
 
@@ -13220,6 +13571,9 @@
   <p:clrMapOvr>
     <a:masterClrMapping/>
   </p:clrMapOvr>
+  <p:transition spd="slow">
+    <p:cover dir="r"/>
+  </p:transition>
 </p:sld>
 </file>
 
